--- a/results/Presentaion DA 23-06-2025-2.pptx
+++ b/results/Presentaion DA 23-06-2025-2.pptx
@@ -550,20 +550,7 @@
           <a:bodyPr/>
           <a:lstStyle/>
           <a:p>
-            <a:endParaRPr/>
-          </a:p>
-          <a:p>
-            <a:r>
-              <a:t>today I'll take you on a journey from simple mobile signals to the powerful insights they can unlock.</a:t>
-            </a:r>
-          </a:p>
-          <a:p>
-            <a:endParaRPr/>
-          </a:p>
-          <a:p>
-            <a:r>
-              <a:t>We'll see how GSM data, when analyzed with the help of machine learning, can support public safety by considering ethical issues and empowers responsible action.</a:t>
-            </a:r>
+            <a:endParaRPr dirty="0"/>
           </a:p>
         </p:txBody>
       </p:sp>
@@ -638,25 +625,7 @@
           <a:bodyPr/>
           <a:lstStyle/>
           <a:p>
-            <a:r>
-              <a:t>"So what kind of data are we talking about?</a:t>
-            </a:r>
-          </a:p>
-          <a:p>
-            <a:endParaRPr/>
-          </a:p>
-          <a:p>
-            <a:r>
-              <a:t>Call Detail Records (CDRs), IMEI and IMSI numbers, MSISDN (your number), location IDs, port-outs, and timestamps.</a:t>
-            </a:r>
-          </a:p>
-          <a:p>
-            <a:endParaRPr/>
-          </a:p>
-          <a:p>
-            <a:r>
-              <a:t>This data forms a rich layer of behavioral and spatial information — the raw material for machine learning."</a:t>
-            </a:r>
+            <a:endParaRPr dirty="0"/>
           </a:p>
         </p:txBody>
       </p:sp>
@@ -727,33 +696,7 @@
           <a:bodyPr/>
           <a:lstStyle/>
           <a:p>
-            <a:r>
-              <a:t>"In every signal, there is a pattern.</a:t>
-            </a:r>
-          </a:p>
-          <a:p>
-            <a:endParaRPr/>
-          </a:p>
-          <a:p>
-            <a:r>
-              <a:t>Our job is to read it — not misuse it.</a:t>
-            </a:r>
-          </a:p>
-          <a:p>
-            <a:endParaRPr/>
-          </a:p>
-          <a:p>
-            <a:r>
-              <a:t>GSM and ML can be tools for peace, justice, and safety — but only if we use them responsibly.</a:t>
-            </a:r>
-          </a:p>
-          <a:p>
-            <a:endParaRPr/>
-          </a:p>
-          <a:p>
-            <a:r>
-              <a:t>Thank you."</a:t>
-            </a:r>
+            <a:endParaRPr dirty="0"/>
           </a:p>
         </p:txBody>
       </p:sp>
@@ -824,33 +767,7 @@
           <a:bodyPr/>
           <a:lstStyle/>
           <a:p>
-            <a:r>
-              <a:t>"Why is this important?</a:t>
-            </a:r>
-          </a:p>
-          <a:p>
-            <a:endParaRPr/>
-          </a:p>
-          <a:p>
-            <a:r>
-              <a:t>First, mobile networks generate an ocean of data every single day.</a:t>
-            </a:r>
-          </a:p>
-          <a:p>
-            <a:endParaRPr/>
-          </a:p>
-          <a:p>
-            <a:r>
-              <a:t>Second, that data is underused, yet it may contain the clues to uncover hidden criminal activity.</a:t>
-            </a:r>
-          </a:p>
-          <a:p>
-            <a:endParaRPr/>
-          </a:p>
-          <a:p>
-            <a:r>
-              <a:t>And finally, our goal today is to show how GSM data, when paired with ML, can help create safer societies — ethically and intelligently."</a:t>
-            </a:r>
+            <a:endParaRPr dirty="0"/>
           </a:p>
         </p:txBody>
       </p:sp>
@@ -921,49 +838,7 @@
           <a:bodyPr/>
           <a:lstStyle/>
           <a:p>
-            <a:r>
-              <a:t>"But it’s not easy.There are four major challenges:</a:t>
-            </a:r>
-          </a:p>
-          <a:p>
-            <a:endParaRPr/>
-          </a:p>
-          <a:p>
-            <a:r>
-              <a:t>Volume — billions of records daily</a:t>
-            </a:r>
-          </a:p>
-          <a:p>
-            <a:endParaRPr/>
-          </a:p>
-          <a:p>
-            <a:r>
-              <a:t>Complexity — multiple IDs per user</a:t>
-            </a:r>
-          </a:p>
-          <a:p>
-            <a:endParaRPr/>
-          </a:p>
-          <a:p>
-            <a:r>
-              <a:t>Disconnection — scattered data sources</a:t>
-            </a:r>
-          </a:p>
-          <a:p>
-            <a:endParaRPr/>
-          </a:p>
-          <a:p>
-            <a:r>
-              <a:t>False leads — legitimate behavior may look suspicious</a:t>
-            </a:r>
-          </a:p>
-          <a:p>
-            <a:endParaRPr/>
-          </a:p>
-          <a:p>
-            <a:r>
-              <a:t>We need smart tools to handle this.</a:t>
-            </a:r>
+            <a:endParaRPr dirty="0"/>
           </a:p>
         </p:txBody>
       </p:sp>
@@ -1034,25 +909,7 @@
           <a:bodyPr/>
           <a:lstStyle/>
           <a:p>
-            <a:r>
-              <a:t>To understand the data, we need to know the structure.</a:t>
-            </a:r>
-          </a:p>
-          <a:p>
-            <a:endParaRPr/>
-          </a:p>
-          <a:p>
-            <a:r>
-              <a:t>GSM networks consist of different components: BTS, BSC, MSC, and more.Each plays a role — BTS connects to your phone, BSC manages towers, </a:t>
-            </a:r>
-          </a:p>
-          <a:p>
-            <a:endParaRPr/>
-          </a:p>
-          <a:p>
-            <a:r>
-              <a:t>MSC switches calls, and HLR/VLR hold user info.Every step generates valuable metadata."</a:t>
-            </a:r>
+            <a:endParaRPr dirty="0"/>
           </a:p>
         </p:txBody>
       </p:sp>
@@ -1127,25 +984,7 @@
           <a:bodyPr/>
           <a:lstStyle/>
           <a:p>
-            <a:r>
-              <a:t>To understand the data, we need to know the structure.</a:t>
-            </a:r>
-          </a:p>
-          <a:p>
-            <a:endParaRPr/>
-          </a:p>
-          <a:p>
-            <a:r>
-              <a:t>GSM networks consist of different components: BTS, BSC, MSC, and more.Each plays a role — BTS connects to your phone, BSC manages towers, </a:t>
-            </a:r>
-          </a:p>
-          <a:p>
-            <a:endParaRPr/>
-          </a:p>
-          <a:p>
-            <a:r>
-              <a:t>MSC switches calls, and HLR/VLR hold user info.Every step generates valuable metadata."</a:t>
-            </a:r>
+            <a:endParaRPr dirty="0"/>
           </a:p>
         </p:txBody>
       </p:sp>
@@ -1216,25 +1055,7 @@
           <a:bodyPr/>
           <a:lstStyle/>
           <a:p>
-            <a:r>
-              <a:t>To understand the data, we need to know the structure.</a:t>
-            </a:r>
-          </a:p>
-          <a:p>
-            <a:endParaRPr/>
-          </a:p>
-          <a:p>
-            <a:r>
-              <a:t>GSM networks consist of different components: BTS, BSC, MSC, and more.Each plays a role — BTS connects to your phone, BSC manages towers, </a:t>
-            </a:r>
-          </a:p>
-          <a:p>
-            <a:endParaRPr/>
-          </a:p>
-          <a:p>
-            <a:r>
-              <a:t>MSC switches calls, and HLR/VLR hold user info.Every step generates valuable metadata."</a:t>
-            </a:r>
+            <a:endParaRPr dirty="0"/>
           </a:p>
         </p:txBody>
       </p:sp>
@@ -1309,25 +1130,7 @@
           <a:bodyPr/>
           <a:lstStyle/>
           <a:p>
-            <a:r>
-              <a:t>This is where machine learning comes in.</a:t>
-            </a:r>
-          </a:p>
-          <a:p>
-            <a:endParaRPr/>
-          </a:p>
-          <a:p>
-            <a:r>
-              <a:t>It helps us cluster user behavior, detect anomalies like SIM swaps, and map hidden communication patterns using graph theory.</a:t>
-            </a:r>
-          </a:p>
-          <a:p>
-            <a:endParaRPr/>
-          </a:p>
-          <a:p>
-            <a:r>
-              <a:t>It finds what humans can’t — and does so at scale.</a:t>
-            </a:r>
+            <a:endParaRPr dirty="0"/>
           </a:p>
         </p:txBody>
       </p:sp>
@@ -1402,25 +1205,7 @@
           <a:bodyPr/>
           <a:lstStyle/>
           <a:p>
-            <a:r>
-              <a:t>"So what kind of data are we talking about?</a:t>
-            </a:r>
-          </a:p>
-          <a:p>
-            <a:endParaRPr/>
-          </a:p>
-          <a:p>
-            <a:r>
-              <a:t>Call Detail Records (CDRs), IMEI and IMSI numbers, MSISDN (your number), location IDs, port-outs, and timestamps.</a:t>
-            </a:r>
-          </a:p>
-          <a:p>
-            <a:endParaRPr/>
-          </a:p>
-          <a:p>
-            <a:r>
-              <a:t>This data forms a rich layer of behavioral and spatial information — the raw material for machine learning."</a:t>
-            </a:r>
+            <a:endParaRPr dirty="0"/>
           </a:p>
         </p:txBody>
       </p:sp>
@@ -1495,25 +1280,7 @@
           <a:bodyPr/>
           <a:lstStyle/>
           <a:p>
-            <a:r>
-              <a:t>"So what kind of data are we talking about?</a:t>
-            </a:r>
-          </a:p>
-          <a:p>
-            <a:endParaRPr/>
-          </a:p>
-          <a:p>
-            <a:r>
-              <a:t>Call Detail Records (CDRs), IMEI and IMSI numbers, MSISDN (your number), location IDs, port-outs, and timestamps.</a:t>
-            </a:r>
-          </a:p>
-          <a:p>
-            <a:endParaRPr/>
-          </a:p>
-          <a:p>
-            <a:r>
-              <a:t>This data forms a rich layer of behavioral and spatial information — the raw material for machine learning."</a:t>
-            </a:r>
+            <a:endParaRPr dirty="0"/>
           </a:p>
         </p:txBody>
       </p:sp>
@@ -4425,7 +4192,7 @@
           </a:ln>
           <a:extLst>
             <a:ext uri="{C572A759-6A51-4108-AA02-DFA0A04FC94B}">
-              <ma14:wrappingTextBoxFlag xmlns="" xmlns:m="http://schemas.openxmlformats.org/officeDocument/2006/math" xmlns:a14="http://schemas.microsoft.com/office/drawing/2010/main" xmlns:ma14="http://schemas.microsoft.com/office/mac/drawingml/2011/main" val="1"/>
+              <ma14:wrappingTextBoxFlag xmlns:ma14="http://schemas.microsoft.com/office/mac/drawingml/2011/main" xmlns:a14="http://schemas.microsoft.com/office/drawing/2010/main" xmlns:m="http://schemas.openxmlformats.org/officeDocument/2006/math" xmlns="" val="1"/>
             </a:ext>
           </a:extLst>
         </p:spPr>
@@ -4464,7 +4231,7 @@
           </a:ln>
           <a:extLst>
             <a:ext uri="{C572A759-6A51-4108-AA02-DFA0A04FC94B}">
-              <ma14:wrappingTextBoxFlag xmlns="" xmlns:m="http://schemas.openxmlformats.org/officeDocument/2006/math" xmlns:a14="http://schemas.microsoft.com/office/drawing/2010/main" xmlns:ma14="http://schemas.microsoft.com/office/mac/drawingml/2011/main" val="1"/>
+              <ma14:wrappingTextBoxFlag xmlns:ma14="http://schemas.microsoft.com/office/mac/drawingml/2011/main" xmlns:a14="http://schemas.microsoft.com/office/drawing/2010/main" xmlns:m="http://schemas.openxmlformats.org/officeDocument/2006/math" xmlns="" val="1"/>
             </a:ext>
           </a:extLst>
         </p:spPr>
@@ -5319,7 +5086,9 @@
           </a:prstGeom>
         </p:spPr>
         <p:txBody>
-          <a:bodyPr/>
+          <a:bodyPr>
+            <a:normAutofit fontScale="90000"/>
+          </a:bodyPr>
           <a:lstStyle>
             <a:lvl1pPr defTabSz="841247">
               <a:defRPr sz="4968"/>
@@ -5327,6 +5096,7 @@
           </a:lstStyle>
           <a:p>
             <a:r>
+              <a:rPr dirty="0"/>
               <a:t>The Impact of AI Tools on Students' Learning Experience</a:t>
             </a:r>
           </a:p>
@@ -5390,7 +5160,7 @@
           </a:ln>
           <a:extLst>
             <a:ext uri="{C572A759-6A51-4108-AA02-DFA0A04FC94B}">
-              <ma14:wrappingTextBoxFlag xmlns="" xmlns:m="http://schemas.openxmlformats.org/officeDocument/2006/math" xmlns:a14="http://schemas.microsoft.com/office/drawing/2010/main" xmlns:ma14="http://schemas.microsoft.com/office/mac/drawingml/2011/main" val="1"/>
+              <ma14:wrappingTextBoxFlag xmlns:ma14="http://schemas.microsoft.com/office/mac/drawingml/2011/main" xmlns:a14="http://schemas.microsoft.com/office/drawing/2010/main" xmlns:m="http://schemas.openxmlformats.org/officeDocument/2006/math" xmlns="" val="1"/>
             </a:ext>
           </a:extLst>
         </p:spPr>
@@ -5489,6 +5259,7 @@
           </a:lstStyle>
           <a:p>
             <a:r>
+              <a:rPr dirty="0"/>
               <a:t>Assignment 2: Survey Development &amp; Analysis</a:t>
             </a:r>
           </a:p>
@@ -5500,6 +5271,13 @@
     <a:masterClrMapping/>
   </p:clrMapOvr>
   <p:transition spd="med"/>
+  <p:timing>
+    <p:tnLst>
+      <p:par>
+        <p:cTn id="1" dur="indefinite" restart="never" nodeType="tmRoot"/>
+      </p:par>
+    </p:tnLst>
+  </p:timing>
 </p:sld>
 </file>
 
@@ -5669,7 +5447,7 @@
             <a:effectLst/>
             <a:extLst>
               <a:ext uri="{C572A759-6A51-4108-AA02-DFA0A04FC94B}">
-                <ma14:wrappingTextBoxFlag xmlns="" xmlns:m="http://schemas.openxmlformats.org/officeDocument/2006/math" xmlns:a14="http://schemas.microsoft.com/office/drawing/2010/main" xmlns:ma14="http://schemas.microsoft.com/office/mac/drawingml/2011/main" val="1"/>
+                <ma14:wrappingTextBoxFlag xmlns:ma14="http://schemas.microsoft.com/office/mac/drawingml/2011/main" xmlns:a14="http://schemas.microsoft.com/office/drawing/2010/main" xmlns:m="http://schemas.openxmlformats.org/officeDocument/2006/math" xmlns="" val="1"/>
               </a:ext>
             </a:extLst>
           </p:spPr>
@@ -5713,7 +5491,7 @@
           </a:ln>
           <a:extLst>
             <a:ext uri="{C572A759-6A51-4108-AA02-DFA0A04FC94B}">
-              <ma14:wrappingTextBoxFlag xmlns="" xmlns:m="http://schemas.openxmlformats.org/officeDocument/2006/math" xmlns:a14="http://schemas.microsoft.com/office/drawing/2010/main" xmlns:ma14="http://schemas.microsoft.com/office/mac/drawingml/2011/main" val="1"/>
+              <ma14:wrappingTextBoxFlag xmlns:ma14="http://schemas.microsoft.com/office/mac/drawingml/2011/main" xmlns:a14="http://schemas.microsoft.com/office/drawing/2010/main" xmlns:m="http://schemas.openxmlformats.org/officeDocument/2006/math" xmlns="" val="1"/>
             </a:ext>
           </a:extLst>
         </p:spPr>
@@ -5756,7 +5534,7 @@
           </a:ln>
           <a:extLst>
             <a:ext uri="{C572A759-6A51-4108-AA02-DFA0A04FC94B}">
-              <ma14:wrappingTextBoxFlag xmlns="" xmlns:m="http://schemas.openxmlformats.org/officeDocument/2006/math" xmlns:a14="http://schemas.microsoft.com/office/drawing/2010/main" xmlns:ma14="http://schemas.microsoft.com/office/mac/drawingml/2011/main" val="1"/>
+              <ma14:wrappingTextBoxFlag xmlns:ma14="http://schemas.microsoft.com/office/mac/drawingml/2011/main" xmlns:a14="http://schemas.microsoft.com/office/drawing/2010/main" xmlns:m="http://schemas.openxmlformats.org/officeDocument/2006/math" xmlns="" val="1"/>
             </a:ext>
           </a:extLst>
         </p:spPr>
@@ -5800,7 +5578,7 @@
           </a:prstGeom>
           <a:extLst>
             <a:ext uri="{C572A759-6A51-4108-AA02-DFA0A04FC94B}">
-              <ma14:wrappingTextBoxFlag xmlns="" xmlns:m="http://schemas.openxmlformats.org/officeDocument/2006/math" xmlns:a14="http://schemas.microsoft.com/office/drawing/2010/main" xmlns:ma14="http://schemas.microsoft.com/office/mac/drawingml/2011/main" val="1"/>
+              <ma14:wrappingTextBoxFlag xmlns:ma14="http://schemas.microsoft.com/office/mac/drawingml/2011/main" xmlns:a14="http://schemas.microsoft.com/office/drawing/2010/main" xmlns:m="http://schemas.openxmlformats.org/officeDocument/2006/math" xmlns="" val="1"/>
             </a:ext>
           </a:extLst>
         </p:spPr>
@@ -5834,7 +5612,7 @@
           </a:ln>
           <a:extLst>
             <a:ext uri="{C572A759-6A51-4108-AA02-DFA0A04FC94B}">
-              <ma14:wrappingTextBoxFlag xmlns="" xmlns:m="http://schemas.openxmlformats.org/officeDocument/2006/math" xmlns:a14="http://schemas.microsoft.com/office/drawing/2010/main" xmlns:ma14="http://schemas.microsoft.com/office/mac/drawingml/2011/main" val="1"/>
+              <ma14:wrappingTextBoxFlag xmlns:ma14="http://schemas.microsoft.com/office/mac/drawingml/2011/main" xmlns:a14="http://schemas.microsoft.com/office/drawing/2010/main" xmlns:m="http://schemas.openxmlformats.org/officeDocument/2006/math" xmlns="" val="1"/>
             </a:ext>
           </a:extLst>
         </p:spPr>
@@ -8444,7 +8222,7 @@
               <a:effectLst/>
               <a:extLst>
                 <a:ext uri="{C572A759-6A51-4108-AA02-DFA0A04FC94B}">
-                  <ma14:wrappingTextBoxFlag xmlns="" xmlns:m="http://schemas.openxmlformats.org/officeDocument/2006/math" xmlns:a14="http://schemas.microsoft.com/office/drawing/2010/main" xmlns:ma14="http://schemas.microsoft.com/office/mac/drawingml/2011/main" val="1"/>
+                  <ma14:wrappingTextBoxFlag xmlns:ma14="http://schemas.microsoft.com/office/mac/drawingml/2011/main" xmlns:a14="http://schemas.microsoft.com/office/drawing/2010/main" xmlns:m="http://schemas.openxmlformats.org/officeDocument/2006/math" xmlns="" val="1"/>
                 </a:ext>
               </a:extLst>
             </p:spPr>
@@ -8497,7 +8275,7 @@
             <a:effectLst/>
             <a:extLst>
               <a:ext uri="{C572A759-6A51-4108-AA02-DFA0A04FC94B}">
-                <ma14:wrappingTextBoxFlag xmlns="" xmlns:m="http://schemas.openxmlformats.org/officeDocument/2006/math" xmlns:a14="http://schemas.microsoft.com/office/drawing/2010/main" xmlns:ma14="http://schemas.microsoft.com/office/mac/drawingml/2011/main" val="1"/>
+                <ma14:wrappingTextBoxFlag xmlns:ma14="http://schemas.microsoft.com/office/mac/drawingml/2011/main" xmlns:a14="http://schemas.microsoft.com/office/drawing/2010/main" xmlns:m="http://schemas.openxmlformats.org/officeDocument/2006/math" xmlns="" val="1"/>
               </a:ext>
             </a:extLst>
           </p:spPr>
@@ -8655,7 +8433,7 @@
               <a:effectLst/>
               <a:extLst>
                 <a:ext uri="{C572A759-6A51-4108-AA02-DFA0A04FC94B}">
-                  <ma14:wrappingTextBoxFlag xmlns="" xmlns:m="http://schemas.openxmlformats.org/officeDocument/2006/math" xmlns:a14="http://schemas.microsoft.com/office/drawing/2010/main" xmlns:ma14="http://schemas.microsoft.com/office/mac/drawingml/2011/main" val="1"/>
+                  <ma14:wrappingTextBoxFlag xmlns:ma14="http://schemas.microsoft.com/office/mac/drawingml/2011/main" xmlns:a14="http://schemas.microsoft.com/office/drawing/2010/main" xmlns:m="http://schemas.openxmlformats.org/officeDocument/2006/math" xmlns="" val="1"/>
                 </a:ext>
               </a:extLst>
             </p:spPr>
@@ -8708,7 +8486,7 @@
             <a:effectLst/>
             <a:extLst>
               <a:ext uri="{C572A759-6A51-4108-AA02-DFA0A04FC94B}">
-                <ma14:wrappingTextBoxFlag xmlns="" xmlns:m="http://schemas.openxmlformats.org/officeDocument/2006/math" xmlns:a14="http://schemas.microsoft.com/office/drawing/2010/main" xmlns:ma14="http://schemas.microsoft.com/office/mac/drawingml/2011/main" val="1"/>
+                <ma14:wrappingTextBoxFlag xmlns:ma14="http://schemas.microsoft.com/office/mac/drawingml/2011/main" xmlns:a14="http://schemas.microsoft.com/office/drawing/2010/main" xmlns:m="http://schemas.openxmlformats.org/officeDocument/2006/math" xmlns="" val="1"/>
               </a:ext>
             </a:extLst>
           </p:spPr>
@@ -8914,7 +8692,7 @@
               <a:effectLst/>
               <a:extLst>
                 <a:ext uri="{C572A759-6A51-4108-AA02-DFA0A04FC94B}">
-                  <ma14:wrappingTextBoxFlag xmlns="" xmlns:m="http://schemas.openxmlformats.org/officeDocument/2006/math" xmlns:a14="http://schemas.microsoft.com/office/drawing/2010/main" xmlns:ma14="http://schemas.microsoft.com/office/mac/drawingml/2011/main" val="1"/>
+                  <ma14:wrappingTextBoxFlag xmlns:ma14="http://schemas.microsoft.com/office/mac/drawingml/2011/main" xmlns:a14="http://schemas.microsoft.com/office/drawing/2010/main" xmlns:m="http://schemas.openxmlformats.org/officeDocument/2006/math" xmlns="" val="1"/>
                 </a:ext>
               </a:extLst>
             </p:spPr>
@@ -9001,7 +8779,7 @@
           <a:effectLst/>
           <a:extLst>
             <a:ext uri="{C572A759-6A51-4108-AA02-DFA0A04FC94B}">
-              <ma14:wrappingTextBoxFlag xmlns:m="http://schemas.openxmlformats.org/officeDocument/2006/math" xmlns:a14="http://schemas.microsoft.com/office/drawing/2010/main" xmlns:ma14="http://schemas.microsoft.com/office/mac/drawingml/2011/main" xmlns="" val="1"/>
+              <ma14:wrappingTextBoxFlag xmlns="" xmlns:ma14="http://schemas.microsoft.com/office/mac/drawingml/2011/main" xmlns:a14="http://schemas.microsoft.com/office/drawing/2010/main" xmlns:m="http://schemas.openxmlformats.org/officeDocument/2006/math" val="1"/>
             </a:ext>
           </a:extLst>
         </p:spPr>
@@ -9363,7 +9141,7 @@
           </a:ln>
           <a:extLst>
             <a:ext uri="{C572A759-6A51-4108-AA02-DFA0A04FC94B}">
-              <ma14:wrappingTextBoxFlag xmlns="" xmlns:m="http://schemas.openxmlformats.org/officeDocument/2006/math" xmlns:a14="http://schemas.microsoft.com/office/drawing/2010/main" xmlns:ma14="http://schemas.microsoft.com/office/mac/drawingml/2011/main" val="1"/>
+              <ma14:wrappingTextBoxFlag xmlns:ma14="http://schemas.microsoft.com/office/mac/drawingml/2011/main" xmlns:a14="http://schemas.microsoft.com/office/drawing/2010/main" xmlns:m="http://schemas.openxmlformats.org/officeDocument/2006/math" xmlns="" val="1"/>
             </a:ext>
           </a:extLst>
         </p:spPr>
@@ -9439,7 +9217,7 @@
           </a:prstGeom>
           <a:extLst>
             <a:ext uri="{C572A759-6A51-4108-AA02-DFA0A04FC94B}">
-              <ma14:wrappingTextBoxFlag xmlns="" xmlns:m="http://schemas.openxmlformats.org/officeDocument/2006/math" xmlns:a14="http://schemas.microsoft.com/office/drawing/2010/main" xmlns:ma14="http://schemas.microsoft.com/office/mac/drawingml/2011/main" val="1"/>
+              <ma14:wrappingTextBoxFlag xmlns:ma14="http://schemas.microsoft.com/office/mac/drawingml/2011/main" xmlns:a14="http://schemas.microsoft.com/office/drawing/2010/main" xmlns:m="http://schemas.openxmlformats.org/officeDocument/2006/math" xmlns="" val="1"/>
             </a:ext>
           </a:extLst>
         </p:spPr>
@@ -9473,7 +9251,7 @@
           </a:ln>
           <a:extLst>
             <a:ext uri="{C572A759-6A51-4108-AA02-DFA0A04FC94B}">
-              <ma14:wrappingTextBoxFlag xmlns="" xmlns:m="http://schemas.openxmlformats.org/officeDocument/2006/math" xmlns:a14="http://schemas.microsoft.com/office/drawing/2010/main" xmlns:ma14="http://schemas.microsoft.com/office/mac/drawingml/2011/main" val="1"/>
+              <ma14:wrappingTextBoxFlag xmlns:ma14="http://schemas.microsoft.com/office/mac/drawingml/2011/main" xmlns:a14="http://schemas.microsoft.com/office/drawing/2010/main" xmlns:m="http://schemas.openxmlformats.org/officeDocument/2006/math" xmlns="" val="1"/>
             </a:ext>
           </a:extLst>
         </p:spPr>
@@ -9517,7 +9295,7 @@
           </a:ln>
           <a:extLst>
             <a:ext uri="{C572A759-6A51-4108-AA02-DFA0A04FC94B}">
-              <ma14:wrappingTextBoxFlag xmlns="" xmlns:m="http://schemas.openxmlformats.org/officeDocument/2006/math" xmlns:a14="http://schemas.microsoft.com/office/drawing/2010/main" xmlns:ma14="http://schemas.microsoft.com/office/mac/drawingml/2011/main" val="1"/>
+              <ma14:wrappingTextBoxFlag xmlns:ma14="http://schemas.microsoft.com/office/mac/drawingml/2011/main" xmlns:a14="http://schemas.microsoft.com/office/drawing/2010/main" xmlns:m="http://schemas.openxmlformats.org/officeDocument/2006/math" xmlns="" val="1"/>
             </a:ext>
           </a:extLst>
         </p:spPr>
@@ -10048,7 +9826,7 @@
             <a:effectLst/>
             <a:extLst>
               <a:ext uri="{C572A759-6A51-4108-AA02-DFA0A04FC94B}">
-                <ma14:wrappingTextBoxFlag xmlns="" xmlns:m="http://schemas.openxmlformats.org/officeDocument/2006/math" xmlns:a14="http://schemas.microsoft.com/office/drawing/2010/main" xmlns:ma14="http://schemas.microsoft.com/office/mac/drawingml/2011/main" val="1"/>
+                <ma14:wrappingTextBoxFlag xmlns:ma14="http://schemas.microsoft.com/office/mac/drawingml/2011/main" xmlns:a14="http://schemas.microsoft.com/office/drawing/2010/main" xmlns:m="http://schemas.openxmlformats.org/officeDocument/2006/math" xmlns="" val="1"/>
               </a:ext>
             </a:extLst>
           </p:spPr>
@@ -10094,7 +9872,7 @@
             <a:effectLst/>
             <a:extLst>
               <a:ext uri="{C572A759-6A51-4108-AA02-DFA0A04FC94B}">
-                <ma14:wrappingTextBoxFlag xmlns="" xmlns:m="http://schemas.openxmlformats.org/officeDocument/2006/math" xmlns:a14="http://schemas.microsoft.com/office/drawing/2010/main" xmlns:ma14="http://schemas.microsoft.com/office/mac/drawingml/2011/main" val="1"/>
+                <ma14:wrappingTextBoxFlag xmlns:ma14="http://schemas.microsoft.com/office/mac/drawingml/2011/main" xmlns:a14="http://schemas.microsoft.com/office/drawing/2010/main" xmlns:m="http://schemas.openxmlformats.org/officeDocument/2006/math" xmlns="" val="1"/>
               </a:ext>
             </a:extLst>
           </p:spPr>
@@ -10140,7 +9918,7 @@
             <a:effectLst/>
             <a:extLst>
               <a:ext uri="{C572A759-6A51-4108-AA02-DFA0A04FC94B}">
-                <ma14:wrappingTextBoxFlag xmlns="" xmlns:m="http://schemas.openxmlformats.org/officeDocument/2006/math" xmlns:a14="http://schemas.microsoft.com/office/drawing/2010/main" xmlns:ma14="http://schemas.microsoft.com/office/mac/drawingml/2011/main" val="1"/>
+                <ma14:wrappingTextBoxFlag xmlns:ma14="http://schemas.microsoft.com/office/mac/drawingml/2011/main" xmlns:a14="http://schemas.microsoft.com/office/drawing/2010/main" xmlns:m="http://schemas.openxmlformats.org/officeDocument/2006/math" xmlns="" val="1"/>
               </a:ext>
             </a:extLst>
           </p:spPr>
@@ -10559,7 +10337,7 @@
               <a:effectLst/>
               <a:extLst>
                 <a:ext uri="{C572A759-6A51-4108-AA02-DFA0A04FC94B}">
-                  <ma14:wrappingTextBoxFlag xmlns="" xmlns:m="http://schemas.openxmlformats.org/officeDocument/2006/math" xmlns:a14="http://schemas.microsoft.com/office/drawing/2010/main" xmlns:ma14="http://schemas.microsoft.com/office/mac/drawingml/2011/main" val="1"/>
+                  <ma14:wrappingTextBoxFlag xmlns:ma14="http://schemas.microsoft.com/office/mac/drawingml/2011/main" xmlns:a14="http://schemas.microsoft.com/office/drawing/2010/main" xmlns:m="http://schemas.openxmlformats.org/officeDocument/2006/math" xmlns="" val="1"/>
                 </a:ext>
               </a:extLst>
             </p:spPr>
@@ -10980,7 +10758,7 @@
               <a:effectLst/>
               <a:extLst>
                 <a:ext uri="{C572A759-6A51-4108-AA02-DFA0A04FC94B}">
-                  <ma14:wrappingTextBoxFlag xmlns="" xmlns:m="http://schemas.openxmlformats.org/officeDocument/2006/math" xmlns:a14="http://schemas.microsoft.com/office/drawing/2010/main" xmlns:ma14="http://schemas.microsoft.com/office/mac/drawingml/2011/main" val="1"/>
+                  <ma14:wrappingTextBoxFlag xmlns:ma14="http://schemas.microsoft.com/office/mac/drawingml/2011/main" xmlns:a14="http://schemas.microsoft.com/office/drawing/2010/main" xmlns:m="http://schemas.openxmlformats.org/officeDocument/2006/math" xmlns="" val="1"/>
                 </a:ext>
               </a:extLst>
             </p:spPr>
@@ -11401,7 +11179,7 @@
               <a:effectLst/>
               <a:extLst>
                 <a:ext uri="{C572A759-6A51-4108-AA02-DFA0A04FC94B}">
-                  <ma14:wrappingTextBoxFlag xmlns="" xmlns:m="http://schemas.openxmlformats.org/officeDocument/2006/math" xmlns:a14="http://schemas.microsoft.com/office/drawing/2010/main" xmlns:ma14="http://schemas.microsoft.com/office/mac/drawingml/2011/main" val="1"/>
+                  <ma14:wrappingTextBoxFlag xmlns:ma14="http://schemas.microsoft.com/office/mac/drawingml/2011/main" xmlns:a14="http://schemas.microsoft.com/office/drawing/2010/main" xmlns:m="http://schemas.openxmlformats.org/officeDocument/2006/math" xmlns="" val="1"/>
                 </a:ext>
               </a:extLst>
             </p:spPr>
@@ -11535,7 +11313,7 @@
             <a:effectLst/>
             <a:extLst>
               <a:ext uri="{C572A759-6A51-4108-AA02-DFA0A04FC94B}">
-                <ma14:wrappingTextBoxFlag xmlns="" xmlns:m="http://schemas.openxmlformats.org/officeDocument/2006/math" xmlns:a14="http://schemas.microsoft.com/office/drawing/2010/main" xmlns:ma14="http://schemas.microsoft.com/office/mac/drawingml/2011/main" val="1"/>
+                <ma14:wrappingTextBoxFlag xmlns:ma14="http://schemas.microsoft.com/office/mac/drawingml/2011/main" xmlns:a14="http://schemas.microsoft.com/office/drawing/2010/main" xmlns:m="http://schemas.openxmlformats.org/officeDocument/2006/math" xmlns="" val="1"/>
               </a:ext>
             </a:extLst>
           </p:spPr>
@@ -11584,7 +11362,7 @@
           </a:prstGeom>
           <a:extLst>
             <a:ext uri="{C572A759-6A51-4108-AA02-DFA0A04FC94B}">
-              <ma14:wrappingTextBoxFlag xmlns="" xmlns:m="http://schemas.openxmlformats.org/officeDocument/2006/math" xmlns:a14="http://schemas.microsoft.com/office/drawing/2010/main" xmlns:ma14="http://schemas.microsoft.com/office/mac/drawingml/2011/main" val="1"/>
+              <ma14:wrappingTextBoxFlag xmlns:ma14="http://schemas.microsoft.com/office/mac/drawingml/2011/main" xmlns:a14="http://schemas.microsoft.com/office/drawing/2010/main" xmlns:m="http://schemas.openxmlformats.org/officeDocument/2006/math" xmlns="" val="1"/>
             </a:ext>
           </a:extLst>
         </p:spPr>
@@ -11618,7 +11396,7 @@
           </a:ln>
           <a:extLst>
             <a:ext uri="{C572A759-6A51-4108-AA02-DFA0A04FC94B}">
-              <ma14:wrappingTextBoxFlag xmlns="" xmlns:m="http://schemas.openxmlformats.org/officeDocument/2006/math" xmlns:a14="http://schemas.microsoft.com/office/drawing/2010/main" xmlns:ma14="http://schemas.microsoft.com/office/mac/drawingml/2011/main" val="1"/>
+              <ma14:wrappingTextBoxFlag xmlns:ma14="http://schemas.microsoft.com/office/mac/drawingml/2011/main" xmlns:a14="http://schemas.microsoft.com/office/drawing/2010/main" xmlns:m="http://schemas.openxmlformats.org/officeDocument/2006/math" xmlns="" val="1"/>
             </a:ext>
           </a:extLst>
         </p:spPr>
@@ -11852,7 +11630,7 @@
           </a:ln>
           <a:extLst>
             <a:ext uri="{C572A759-6A51-4108-AA02-DFA0A04FC94B}">
-              <ma14:wrappingTextBoxFlag xmlns="" xmlns:m="http://schemas.openxmlformats.org/officeDocument/2006/math" xmlns:a14="http://schemas.microsoft.com/office/drawing/2010/main" xmlns:ma14="http://schemas.microsoft.com/office/mac/drawingml/2011/main" val="1"/>
+              <ma14:wrappingTextBoxFlag xmlns:ma14="http://schemas.microsoft.com/office/mac/drawingml/2011/main" xmlns:a14="http://schemas.microsoft.com/office/drawing/2010/main" xmlns:m="http://schemas.openxmlformats.org/officeDocument/2006/math" xmlns="" val="1"/>
             </a:ext>
           </a:extLst>
         </p:spPr>
@@ -11899,7 +11677,7 @@
           </a:ln>
           <a:extLst>
             <a:ext uri="{C572A759-6A51-4108-AA02-DFA0A04FC94B}">
-              <ma14:wrappingTextBoxFlag xmlns="" xmlns:m="http://schemas.openxmlformats.org/officeDocument/2006/math" xmlns:a14="http://schemas.microsoft.com/office/drawing/2010/main" xmlns:ma14="http://schemas.microsoft.com/office/mac/drawingml/2011/main" val="1"/>
+              <ma14:wrappingTextBoxFlag xmlns:ma14="http://schemas.microsoft.com/office/mac/drawingml/2011/main" xmlns:a14="http://schemas.microsoft.com/office/drawing/2010/main" xmlns:m="http://schemas.openxmlformats.org/officeDocument/2006/math" xmlns="" val="1"/>
             </a:ext>
           </a:extLst>
         </p:spPr>
@@ -12211,7 +11989,7 @@
             <a:effectLst/>
             <a:extLst>
               <a:ext uri="{C572A759-6A51-4108-AA02-DFA0A04FC94B}">
-                <ma14:wrappingTextBoxFlag xmlns="" xmlns:m="http://schemas.openxmlformats.org/officeDocument/2006/math" xmlns:a14="http://schemas.microsoft.com/office/drawing/2010/main" xmlns:ma14="http://schemas.microsoft.com/office/mac/drawingml/2011/main" val="1"/>
+                <ma14:wrappingTextBoxFlag xmlns:ma14="http://schemas.microsoft.com/office/mac/drawingml/2011/main" xmlns:a14="http://schemas.microsoft.com/office/drawing/2010/main" xmlns:m="http://schemas.openxmlformats.org/officeDocument/2006/math" xmlns="" val="1"/>
               </a:ext>
             </a:extLst>
           </p:spPr>
@@ -12360,7 +12138,7 @@
             <a:effectLst/>
             <a:extLst>
               <a:ext uri="{C572A759-6A51-4108-AA02-DFA0A04FC94B}">
-                <ma14:wrappingTextBoxFlag xmlns="" xmlns:m="http://schemas.openxmlformats.org/officeDocument/2006/math" xmlns:a14="http://schemas.microsoft.com/office/drawing/2010/main" xmlns:ma14="http://schemas.microsoft.com/office/mac/drawingml/2011/main" val="1"/>
+                <ma14:wrappingTextBoxFlag xmlns:ma14="http://schemas.microsoft.com/office/mac/drawingml/2011/main" xmlns:a14="http://schemas.microsoft.com/office/drawing/2010/main" xmlns:m="http://schemas.openxmlformats.org/officeDocument/2006/math" xmlns="" val="1"/>
               </a:ext>
             </a:extLst>
           </p:spPr>
@@ -12589,7 +12367,7 @@
             <a:effectLst/>
             <a:extLst>
               <a:ext uri="{C572A759-6A51-4108-AA02-DFA0A04FC94B}">
-                <ma14:wrappingTextBoxFlag xmlns="" xmlns:m="http://schemas.openxmlformats.org/officeDocument/2006/math" xmlns:a14="http://schemas.microsoft.com/office/drawing/2010/main" xmlns:ma14="http://schemas.microsoft.com/office/mac/drawingml/2011/main" val="1"/>
+                <ma14:wrappingTextBoxFlag xmlns:ma14="http://schemas.microsoft.com/office/mac/drawingml/2011/main" xmlns:a14="http://schemas.microsoft.com/office/drawing/2010/main" xmlns:m="http://schemas.openxmlformats.org/officeDocument/2006/math" xmlns="" val="1"/>
               </a:ext>
             </a:extLst>
           </p:spPr>
@@ -12770,7 +12548,7 @@
             <a:effectLst/>
             <a:extLst>
               <a:ext uri="{C572A759-6A51-4108-AA02-DFA0A04FC94B}">
-                <ma14:wrappingTextBoxFlag xmlns="" xmlns:m="http://schemas.openxmlformats.org/officeDocument/2006/math" xmlns:a14="http://schemas.microsoft.com/office/drawing/2010/main" xmlns:ma14="http://schemas.microsoft.com/office/mac/drawingml/2011/main" val="1"/>
+                <ma14:wrappingTextBoxFlag xmlns:ma14="http://schemas.microsoft.com/office/mac/drawingml/2011/main" xmlns:a14="http://schemas.microsoft.com/office/drawing/2010/main" xmlns:m="http://schemas.openxmlformats.org/officeDocument/2006/math" xmlns="" val="1"/>
               </a:ext>
             </a:extLst>
           </p:spPr>
@@ -12814,7 +12592,7 @@
           </a:ln>
           <a:extLst>
             <a:ext uri="{C572A759-6A51-4108-AA02-DFA0A04FC94B}">
-              <ma14:wrappingTextBoxFlag xmlns="" xmlns:m="http://schemas.openxmlformats.org/officeDocument/2006/math" xmlns:a14="http://schemas.microsoft.com/office/drawing/2010/main" xmlns:ma14="http://schemas.microsoft.com/office/mac/drawingml/2011/main" val="1"/>
+              <ma14:wrappingTextBoxFlag xmlns:ma14="http://schemas.microsoft.com/office/mac/drawingml/2011/main" xmlns:a14="http://schemas.microsoft.com/office/drawing/2010/main" xmlns:m="http://schemas.openxmlformats.org/officeDocument/2006/math" xmlns="" val="1"/>
             </a:ext>
           </a:extLst>
         </p:spPr>
@@ -12861,7 +12639,7 @@
           </a:ln>
           <a:extLst>
             <a:ext uri="{C572A759-6A51-4108-AA02-DFA0A04FC94B}">
-              <ma14:wrappingTextBoxFlag xmlns="" xmlns:m="http://schemas.openxmlformats.org/officeDocument/2006/math" xmlns:a14="http://schemas.microsoft.com/office/drawing/2010/main" xmlns:ma14="http://schemas.microsoft.com/office/mac/drawingml/2011/main" val="1"/>
+              <ma14:wrappingTextBoxFlag xmlns:ma14="http://schemas.microsoft.com/office/mac/drawingml/2011/main" xmlns:a14="http://schemas.microsoft.com/office/drawing/2010/main" xmlns:m="http://schemas.openxmlformats.org/officeDocument/2006/math" xmlns="" val="1"/>
             </a:ext>
           </a:extLst>
         </p:spPr>
@@ -12908,7 +12686,7 @@
           </a:ln>
           <a:extLst>
             <a:ext uri="{C572A759-6A51-4108-AA02-DFA0A04FC94B}">
-              <ma14:wrappingTextBoxFlag xmlns="" xmlns:m="http://schemas.openxmlformats.org/officeDocument/2006/math" xmlns:a14="http://schemas.microsoft.com/office/drawing/2010/main" xmlns:ma14="http://schemas.microsoft.com/office/mac/drawingml/2011/main" val="1"/>
+              <ma14:wrappingTextBoxFlag xmlns:ma14="http://schemas.microsoft.com/office/mac/drawingml/2011/main" xmlns:a14="http://schemas.microsoft.com/office/drawing/2010/main" xmlns:m="http://schemas.openxmlformats.org/officeDocument/2006/math" xmlns="" val="1"/>
             </a:ext>
           </a:extLst>
         </p:spPr>
@@ -12945,7 +12723,7 @@
           </a:ln>
           <a:extLst>
             <a:ext uri="{C572A759-6A51-4108-AA02-DFA0A04FC94B}">
-              <ma14:wrappingTextBoxFlag xmlns="" xmlns:m="http://schemas.openxmlformats.org/officeDocument/2006/math" xmlns:a14="http://schemas.microsoft.com/office/drawing/2010/main" xmlns:ma14="http://schemas.microsoft.com/office/mac/drawingml/2011/main" val="1"/>
+              <ma14:wrappingTextBoxFlag xmlns:ma14="http://schemas.microsoft.com/office/mac/drawingml/2011/main" xmlns:a14="http://schemas.microsoft.com/office/drawing/2010/main" xmlns:m="http://schemas.openxmlformats.org/officeDocument/2006/math" xmlns="" val="1"/>
             </a:ext>
           </a:extLst>
         </p:spPr>
@@ -12988,7 +12766,7 @@
           </a:ln>
           <a:extLst>
             <a:ext uri="{C572A759-6A51-4108-AA02-DFA0A04FC94B}">
-              <ma14:wrappingTextBoxFlag xmlns="" xmlns:m="http://schemas.openxmlformats.org/officeDocument/2006/math" xmlns:a14="http://schemas.microsoft.com/office/drawing/2010/main" xmlns:ma14="http://schemas.microsoft.com/office/mac/drawingml/2011/main" val="1"/>
+              <ma14:wrappingTextBoxFlag xmlns:ma14="http://schemas.microsoft.com/office/mac/drawingml/2011/main" xmlns:a14="http://schemas.microsoft.com/office/drawing/2010/main" xmlns:m="http://schemas.openxmlformats.org/officeDocument/2006/math" xmlns="" val="1"/>
             </a:ext>
           </a:extLst>
         </p:spPr>
@@ -13031,7 +12809,7 @@
           </a:ln>
           <a:extLst>
             <a:ext uri="{C572A759-6A51-4108-AA02-DFA0A04FC94B}">
-              <ma14:wrappingTextBoxFlag xmlns="" xmlns:m="http://schemas.openxmlformats.org/officeDocument/2006/math" xmlns:a14="http://schemas.microsoft.com/office/drawing/2010/main" xmlns:ma14="http://schemas.microsoft.com/office/mac/drawingml/2011/main" val="1"/>
+              <ma14:wrappingTextBoxFlag xmlns:ma14="http://schemas.microsoft.com/office/mac/drawingml/2011/main" xmlns:a14="http://schemas.microsoft.com/office/drawing/2010/main" xmlns:m="http://schemas.openxmlformats.org/officeDocument/2006/math" xmlns="" val="1"/>
             </a:ext>
           </a:extLst>
         </p:spPr>
@@ -17679,7 +17457,7 @@
           </a:prstGeom>
           <a:extLst>
             <a:ext uri="{C572A759-6A51-4108-AA02-DFA0A04FC94B}">
-              <ma14:wrappingTextBoxFlag xmlns="" xmlns:m="http://schemas.openxmlformats.org/officeDocument/2006/math" xmlns:a14="http://schemas.microsoft.com/office/drawing/2010/main" xmlns:ma14="http://schemas.microsoft.com/office/mac/drawingml/2011/main" val="1"/>
+              <ma14:wrappingTextBoxFlag xmlns:ma14="http://schemas.microsoft.com/office/mac/drawingml/2011/main" xmlns:a14="http://schemas.microsoft.com/office/drawing/2010/main" xmlns:m="http://schemas.openxmlformats.org/officeDocument/2006/math" xmlns="" val="1"/>
             </a:ext>
           </a:extLst>
         </p:spPr>
@@ -17713,7 +17491,7 @@
           </a:ln>
           <a:extLst>
             <a:ext uri="{C572A759-6A51-4108-AA02-DFA0A04FC94B}">
-              <ma14:wrappingTextBoxFlag xmlns="" xmlns:m="http://schemas.openxmlformats.org/officeDocument/2006/math" xmlns:a14="http://schemas.microsoft.com/office/drawing/2010/main" xmlns:ma14="http://schemas.microsoft.com/office/mac/drawingml/2011/main" val="1"/>
+              <ma14:wrappingTextBoxFlag xmlns:ma14="http://schemas.microsoft.com/office/mac/drawingml/2011/main" xmlns:a14="http://schemas.microsoft.com/office/drawing/2010/main" xmlns:m="http://schemas.openxmlformats.org/officeDocument/2006/math" xmlns="" val="1"/>
             </a:ext>
           </a:extLst>
         </p:spPr>
@@ -17856,7 +17634,7 @@
           </a:ln>
           <a:extLst>
             <a:ext uri="{C572A759-6A51-4108-AA02-DFA0A04FC94B}">
-              <ma14:wrappingTextBoxFlag xmlns="" xmlns:m="http://schemas.openxmlformats.org/officeDocument/2006/math" xmlns:a14="http://schemas.microsoft.com/office/drawing/2010/main" xmlns:ma14="http://schemas.microsoft.com/office/mac/drawingml/2011/main" val="1"/>
+              <ma14:wrappingTextBoxFlag xmlns:ma14="http://schemas.microsoft.com/office/mac/drawingml/2011/main" xmlns:a14="http://schemas.microsoft.com/office/drawing/2010/main" xmlns:m="http://schemas.openxmlformats.org/officeDocument/2006/math" xmlns="" val="1"/>
             </a:ext>
           </a:extLst>
         </p:spPr>
@@ -18055,7 +17833,7 @@
           </a:prstGeom>
           <a:extLst>
             <a:ext uri="{C572A759-6A51-4108-AA02-DFA0A04FC94B}">
-              <ma14:wrappingTextBoxFlag xmlns="" xmlns:m="http://schemas.openxmlformats.org/officeDocument/2006/math" xmlns:a14="http://schemas.microsoft.com/office/drawing/2010/main" xmlns:ma14="http://schemas.microsoft.com/office/mac/drawingml/2011/main" val="1"/>
+              <ma14:wrappingTextBoxFlag xmlns:ma14="http://schemas.microsoft.com/office/mac/drawingml/2011/main" xmlns:a14="http://schemas.microsoft.com/office/drawing/2010/main" xmlns:m="http://schemas.openxmlformats.org/officeDocument/2006/math" xmlns="" val="1"/>
             </a:ext>
           </a:extLst>
         </p:spPr>
@@ -18097,7 +17875,7 @@
           </a:ln>
           <a:extLst>
             <a:ext uri="{C572A759-6A51-4108-AA02-DFA0A04FC94B}">
-              <ma14:wrappingTextBoxFlag xmlns="" xmlns:m="http://schemas.openxmlformats.org/officeDocument/2006/math" xmlns:a14="http://schemas.microsoft.com/office/drawing/2010/main" xmlns:ma14="http://schemas.microsoft.com/office/mac/drawingml/2011/main" val="1"/>
+              <ma14:wrappingTextBoxFlag xmlns:ma14="http://schemas.microsoft.com/office/mac/drawingml/2011/main" xmlns:a14="http://schemas.microsoft.com/office/drawing/2010/main" xmlns:m="http://schemas.openxmlformats.org/officeDocument/2006/math" xmlns="" val="1"/>
             </a:ext>
           </a:extLst>
         </p:spPr>
@@ -18141,7 +17919,7 @@
           </a:ln>
           <a:extLst>
             <a:ext uri="{C572A759-6A51-4108-AA02-DFA0A04FC94B}">
-              <ma14:wrappingTextBoxFlag xmlns="" xmlns:m="http://schemas.openxmlformats.org/officeDocument/2006/math" xmlns:a14="http://schemas.microsoft.com/office/drawing/2010/main" xmlns:ma14="http://schemas.microsoft.com/office/mac/drawingml/2011/main" val="1"/>
+              <ma14:wrappingTextBoxFlag xmlns:ma14="http://schemas.microsoft.com/office/mac/drawingml/2011/main" xmlns:a14="http://schemas.microsoft.com/office/drawing/2010/main" xmlns:m="http://schemas.openxmlformats.org/officeDocument/2006/math" xmlns="" val="1"/>
             </a:ext>
           </a:extLst>
         </p:spPr>
@@ -18493,7 +18271,7 @@
           </a:ln>
           <a:extLst>
             <a:ext uri="{C572A759-6A51-4108-AA02-DFA0A04FC94B}">
-              <ma14:wrappingTextBoxFlag xmlns="" xmlns:m="http://schemas.openxmlformats.org/officeDocument/2006/math" xmlns:a14="http://schemas.microsoft.com/office/drawing/2010/main" xmlns:ma14="http://schemas.microsoft.com/office/mac/drawingml/2011/main" val="1"/>
+              <ma14:wrappingTextBoxFlag xmlns:ma14="http://schemas.microsoft.com/office/mac/drawingml/2011/main" xmlns:a14="http://schemas.microsoft.com/office/drawing/2010/main" xmlns:m="http://schemas.openxmlformats.org/officeDocument/2006/math" xmlns="" val="1"/>
             </a:ext>
           </a:extLst>
         </p:spPr>
@@ -18675,7 +18453,7 @@
           </a:prstGeom>
           <a:extLst>
             <a:ext uri="{C572A759-6A51-4108-AA02-DFA0A04FC94B}">
-              <ma14:wrappingTextBoxFlag xmlns="" xmlns:m="http://schemas.openxmlformats.org/officeDocument/2006/math" xmlns:a14="http://schemas.microsoft.com/office/drawing/2010/main" xmlns:ma14="http://schemas.microsoft.com/office/mac/drawingml/2011/main" val="1"/>
+              <ma14:wrappingTextBoxFlag xmlns:ma14="http://schemas.microsoft.com/office/mac/drawingml/2011/main" xmlns:a14="http://schemas.microsoft.com/office/drawing/2010/main" xmlns:m="http://schemas.openxmlformats.org/officeDocument/2006/math" xmlns="" val="1"/>
             </a:ext>
           </a:extLst>
         </p:spPr>
@@ -18717,7 +18495,7 @@
           </a:ln>
           <a:extLst>
             <a:ext uri="{C572A759-6A51-4108-AA02-DFA0A04FC94B}">
-              <ma14:wrappingTextBoxFlag xmlns="" xmlns:m="http://schemas.openxmlformats.org/officeDocument/2006/math" xmlns:a14="http://schemas.microsoft.com/office/drawing/2010/main" xmlns:ma14="http://schemas.microsoft.com/office/mac/drawingml/2011/main" val="1"/>
+              <ma14:wrappingTextBoxFlag xmlns:ma14="http://schemas.microsoft.com/office/mac/drawingml/2011/main" xmlns:a14="http://schemas.microsoft.com/office/drawing/2010/main" xmlns:m="http://schemas.openxmlformats.org/officeDocument/2006/math" xmlns="" val="1"/>
             </a:ext>
           </a:extLst>
         </p:spPr>
@@ -18761,7 +18539,7 @@
           </a:ln>
           <a:extLst>
             <a:ext uri="{C572A759-6A51-4108-AA02-DFA0A04FC94B}">
-              <ma14:wrappingTextBoxFlag xmlns="" xmlns:m="http://schemas.openxmlformats.org/officeDocument/2006/math" xmlns:a14="http://schemas.microsoft.com/office/drawing/2010/main" xmlns:ma14="http://schemas.microsoft.com/office/mac/drawingml/2011/main" val="1"/>
+              <ma14:wrappingTextBoxFlag xmlns:ma14="http://schemas.microsoft.com/office/mac/drawingml/2011/main" xmlns:a14="http://schemas.microsoft.com/office/drawing/2010/main" xmlns:m="http://schemas.openxmlformats.org/officeDocument/2006/math" xmlns="" val="1"/>
             </a:ext>
           </a:extLst>
         </p:spPr>
@@ -19113,7 +18891,7 @@
           </a:ln>
           <a:extLst>
             <a:ext uri="{C572A759-6A51-4108-AA02-DFA0A04FC94B}">
-              <ma14:wrappingTextBoxFlag xmlns="" xmlns:m="http://schemas.openxmlformats.org/officeDocument/2006/math" xmlns:a14="http://schemas.microsoft.com/office/drawing/2010/main" xmlns:ma14="http://schemas.microsoft.com/office/mac/drawingml/2011/main" val="1"/>
+              <ma14:wrappingTextBoxFlag xmlns:ma14="http://schemas.microsoft.com/office/mac/drawingml/2011/main" xmlns:a14="http://schemas.microsoft.com/office/drawing/2010/main" xmlns:m="http://schemas.openxmlformats.org/officeDocument/2006/math" xmlns="" val="1"/>
             </a:ext>
           </a:extLst>
         </p:spPr>
@@ -19312,7 +19090,7 @@
           </a:prstGeom>
           <a:extLst>
             <a:ext uri="{C572A759-6A51-4108-AA02-DFA0A04FC94B}">
-              <ma14:wrappingTextBoxFlag xmlns="" xmlns:m="http://schemas.openxmlformats.org/officeDocument/2006/math" xmlns:a14="http://schemas.microsoft.com/office/drawing/2010/main" xmlns:ma14="http://schemas.microsoft.com/office/mac/drawingml/2011/main" val="1"/>
+              <ma14:wrappingTextBoxFlag xmlns:ma14="http://schemas.microsoft.com/office/mac/drawingml/2011/main" xmlns:a14="http://schemas.microsoft.com/office/drawing/2010/main" xmlns:m="http://schemas.openxmlformats.org/officeDocument/2006/math" xmlns="" val="1"/>
             </a:ext>
           </a:extLst>
         </p:spPr>
@@ -19354,7 +19132,7 @@
           </a:ln>
           <a:extLst>
             <a:ext uri="{C572A759-6A51-4108-AA02-DFA0A04FC94B}">
-              <ma14:wrappingTextBoxFlag xmlns="" xmlns:m="http://schemas.openxmlformats.org/officeDocument/2006/math" xmlns:a14="http://schemas.microsoft.com/office/drawing/2010/main" xmlns:ma14="http://schemas.microsoft.com/office/mac/drawingml/2011/main" val="1"/>
+              <ma14:wrappingTextBoxFlag xmlns:ma14="http://schemas.microsoft.com/office/mac/drawingml/2011/main" xmlns:a14="http://schemas.microsoft.com/office/drawing/2010/main" xmlns:m="http://schemas.openxmlformats.org/officeDocument/2006/math" xmlns="" val="1"/>
             </a:ext>
           </a:extLst>
         </p:spPr>
@@ -19398,7 +19176,7 @@
           </a:ln>
           <a:extLst>
             <a:ext uri="{C572A759-6A51-4108-AA02-DFA0A04FC94B}">
-              <ma14:wrappingTextBoxFlag xmlns="" xmlns:m="http://schemas.openxmlformats.org/officeDocument/2006/math" xmlns:a14="http://schemas.microsoft.com/office/drawing/2010/main" xmlns:ma14="http://schemas.microsoft.com/office/mac/drawingml/2011/main" val="1"/>
+              <ma14:wrappingTextBoxFlag xmlns:ma14="http://schemas.microsoft.com/office/mac/drawingml/2011/main" xmlns:a14="http://schemas.microsoft.com/office/drawing/2010/main" xmlns:m="http://schemas.openxmlformats.org/officeDocument/2006/math" xmlns="" val="1"/>
             </a:ext>
           </a:extLst>
         </p:spPr>
@@ -24282,7 +24060,7 @@
           </a:prstGeom>
           <a:extLst>
             <a:ext uri="{C572A759-6A51-4108-AA02-DFA0A04FC94B}">
-              <ma14:wrappingTextBoxFlag xmlns="" xmlns:m="http://schemas.openxmlformats.org/officeDocument/2006/math" xmlns:a14="http://schemas.microsoft.com/office/drawing/2010/main" xmlns:ma14="http://schemas.microsoft.com/office/mac/drawingml/2011/main" val="1"/>
+              <ma14:wrappingTextBoxFlag xmlns:ma14="http://schemas.microsoft.com/office/mac/drawingml/2011/main" xmlns:a14="http://schemas.microsoft.com/office/drawing/2010/main" xmlns:m="http://schemas.openxmlformats.org/officeDocument/2006/math" xmlns="" val="1"/>
             </a:ext>
           </a:extLst>
         </p:spPr>
@@ -24316,7 +24094,7 @@
           </a:ln>
           <a:extLst>
             <a:ext uri="{C572A759-6A51-4108-AA02-DFA0A04FC94B}">
-              <ma14:wrappingTextBoxFlag xmlns="" xmlns:m="http://schemas.openxmlformats.org/officeDocument/2006/math" xmlns:a14="http://schemas.microsoft.com/office/drawing/2010/main" xmlns:ma14="http://schemas.microsoft.com/office/mac/drawingml/2011/main" val="1"/>
+              <ma14:wrappingTextBoxFlag xmlns:ma14="http://schemas.microsoft.com/office/mac/drawingml/2011/main" xmlns:a14="http://schemas.microsoft.com/office/drawing/2010/main" xmlns:m="http://schemas.openxmlformats.org/officeDocument/2006/math" xmlns="" val="1"/>
             </a:ext>
           </a:extLst>
         </p:spPr>
@@ -24600,7 +24378,7 @@
               <a:effectLst/>
               <a:extLst>
                 <a:ext uri="{C572A759-6A51-4108-AA02-DFA0A04FC94B}">
-                  <ma14:wrappingTextBoxFlag xmlns="" xmlns:m="http://schemas.openxmlformats.org/officeDocument/2006/math" xmlns:a14="http://schemas.microsoft.com/office/drawing/2010/main" xmlns:ma14="http://schemas.microsoft.com/office/mac/drawingml/2011/main" val="1"/>
+                  <ma14:wrappingTextBoxFlag xmlns:ma14="http://schemas.microsoft.com/office/mac/drawingml/2011/main" xmlns:a14="http://schemas.microsoft.com/office/drawing/2010/main" xmlns:m="http://schemas.openxmlformats.org/officeDocument/2006/math" xmlns="" val="1"/>
                 </a:ext>
               </a:extLst>
             </p:spPr>
@@ -24724,7 +24502,7 @@
               <a:effectLst/>
               <a:extLst>
                 <a:ext uri="{C572A759-6A51-4108-AA02-DFA0A04FC94B}">
-                  <ma14:wrappingTextBoxFlag xmlns="" xmlns:m="http://schemas.openxmlformats.org/officeDocument/2006/math" xmlns:a14="http://schemas.microsoft.com/office/drawing/2010/main" xmlns:ma14="http://schemas.microsoft.com/office/mac/drawingml/2011/main" val="1"/>
+                  <ma14:wrappingTextBoxFlag xmlns:ma14="http://schemas.microsoft.com/office/mac/drawingml/2011/main" xmlns:a14="http://schemas.microsoft.com/office/drawing/2010/main" xmlns:m="http://schemas.openxmlformats.org/officeDocument/2006/math" xmlns="" val="1"/>
                 </a:ext>
               </a:extLst>
             </p:spPr>
@@ -24881,7 +24659,7 @@
               <a:effectLst/>
               <a:extLst>
                 <a:ext uri="{C572A759-6A51-4108-AA02-DFA0A04FC94B}">
-                  <ma14:wrappingTextBoxFlag xmlns="" xmlns:m="http://schemas.openxmlformats.org/officeDocument/2006/math" xmlns:a14="http://schemas.microsoft.com/office/drawing/2010/main" xmlns:ma14="http://schemas.microsoft.com/office/mac/drawingml/2011/main" val="1"/>
+                  <ma14:wrappingTextBoxFlag xmlns:ma14="http://schemas.microsoft.com/office/mac/drawingml/2011/main" xmlns:a14="http://schemas.microsoft.com/office/drawing/2010/main" xmlns:m="http://schemas.openxmlformats.org/officeDocument/2006/math" xmlns="" val="1"/>
                 </a:ext>
               </a:extLst>
             </p:spPr>
@@ -25532,7 +25310,7 @@
             <a:effectLst/>
             <a:extLst>
               <a:ext uri="{C572A759-6A51-4108-AA02-DFA0A04FC94B}">
-                <ma14:wrappingTextBoxFlag xmlns="" xmlns:m="http://schemas.openxmlformats.org/officeDocument/2006/math" xmlns:a14="http://schemas.microsoft.com/office/drawing/2010/main" xmlns:ma14="http://schemas.microsoft.com/office/mac/drawingml/2011/main" val="1"/>
+                <ma14:wrappingTextBoxFlag xmlns:ma14="http://schemas.microsoft.com/office/mac/drawingml/2011/main" xmlns:a14="http://schemas.microsoft.com/office/drawing/2010/main" xmlns:m="http://schemas.openxmlformats.org/officeDocument/2006/math" xmlns="" val="1"/>
               </a:ext>
             </a:extLst>
           </p:spPr>
@@ -25576,7 +25354,7 @@
           </a:ln>
           <a:extLst>
             <a:ext uri="{C572A759-6A51-4108-AA02-DFA0A04FC94B}">
-              <ma14:wrappingTextBoxFlag xmlns="" xmlns:m="http://schemas.openxmlformats.org/officeDocument/2006/math" xmlns:a14="http://schemas.microsoft.com/office/drawing/2010/main" xmlns:ma14="http://schemas.microsoft.com/office/mac/drawingml/2011/main" val="1"/>
+              <ma14:wrappingTextBoxFlag xmlns:ma14="http://schemas.microsoft.com/office/mac/drawingml/2011/main" xmlns:a14="http://schemas.microsoft.com/office/drawing/2010/main" xmlns:m="http://schemas.openxmlformats.org/officeDocument/2006/math" xmlns="" val="1"/>
             </a:ext>
           </a:extLst>
         </p:spPr>
@@ -25619,7 +25397,7 @@
           </a:ln>
           <a:extLst>
             <a:ext uri="{C572A759-6A51-4108-AA02-DFA0A04FC94B}">
-              <ma14:wrappingTextBoxFlag xmlns="" xmlns:m="http://schemas.openxmlformats.org/officeDocument/2006/math" xmlns:a14="http://schemas.microsoft.com/office/drawing/2010/main" xmlns:ma14="http://schemas.microsoft.com/office/mac/drawingml/2011/main" val="1"/>
+              <ma14:wrappingTextBoxFlag xmlns:ma14="http://schemas.microsoft.com/office/mac/drawingml/2011/main" xmlns:a14="http://schemas.microsoft.com/office/drawing/2010/main" xmlns:m="http://schemas.openxmlformats.org/officeDocument/2006/math" xmlns="" val="1"/>
             </a:ext>
           </a:extLst>
         </p:spPr>
@@ -25663,7 +25441,7 @@
           </a:prstGeom>
           <a:extLst>
             <a:ext uri="{C572A759-6A51-4108-AA02-DFA0A04FC94B}">
-              <ma14:wrappingTextBoxFlag xmlns="" xmlns:m="http://schemas.openxmlformats.org/officeDocument/2006/math" xmlns:a14="http://schemas.microsoft.com/office/drawing/2010/main" xmlns:ma14="http://schemas.microsoft.com/office/mac/drawingml/2011/main" val="1"/>
+              <ma14:wrappingTextBoxFlag xmlns:ma14="http://schemas.microsoft.com/office/mac/drawingml/2011/main" xmlns:a14="http://schemas.microsoft.com/office/drawing/2010/main" xmlns:m="http://schemas.openxmlformats.org/officeDocument/2006/math" xmlns="" val="1"/>
             </a:ext>
           </a:extLst>
         </p:spPr>
@@ -25697,7 +25475,7 @@
           </a:ln>
           <a:extLst>
             <a:ext uri="{C572A759-6A51-4108-AA02-DFA0A04FC94B}">
-              <ma14:wrappingTextBoxFlag xmlns="" xmlns:m="http://schemas.openxmlformats.org/officeDocument/2006/math" xmlns:a14="http://schemas.microsoft.com/office/drawing/2010/main" xmlns:ma14="http://schemas.microsoft.com/office/mac/drawingml/2011/main" val="1"/>
+              <ma14:wrappingTextBoxFlag xmlns:ma14="http://schemas.microsoft.com/office/mac/drawingml/2011/main" xmlns:a14="http://schemas.microsoft.com/office/drawing/2010/main" xmlns:m="http://schemas.openxmlformats.org/officeDocument/2006/math" xmlns="" val="1"/>
             </a:ext>
           </a:extLst>
         </p:spPr>
@@ -28307,7 +28085,7 @@
               <a:effectLst/>
               <a:extLst>
                 <a:ext uri="{C572A759-6A51-4108-AA02-DFA0A04FC94B}">
-                  <ma14:wrappingTextBoxFlag xmlns="" xmlns:m="http://schemas.openxmlformats.org/officeDocument/2006/math" xmlns:a14="http://schemas.microsoft.com/office/drawing/2010/main" xmlns:ma14="http://schemas.microsoft.com/office/mac/drawingml/2011/main" val="1"/>
+                  <ma14:wrappingTextBoxFlag xmlns:ma14="http://schemas.microsoft.com/office/mac/drawingml/2011/main" xmlns:a14="http://schemas.microsoft.com/office/drawing/2010/main" xmlns:m="http://schemas.openxmlformats.org/officeDocument/2006/math" xmlns="" val="1"/>
                 </a:ext>
               </a:extLst>
             </p:spPr>
@@ -28360,7 +28138,7 @@
             <a:effectLst/>
             <a:extLst>
               <a:ext uri="{C572A759-6A51-4108-AA02-DFA0A04FC94B}">
-                <ma14:wrappingTextBoxFlag xmlns="" xmlns:m="http://schemas.openxmlformats.org/officeDocument/2006/math" xmlns:a14="http://schemas.microsoft.com/office/drawing/2010/main" xmlns:ma14="http://schemas.microsoft.com/office/mac/drawingml/2011/main" val="1"/>
+                <ma14:wrappingTextBoxFlag xmlns:ma14="http://schemas.microsoft.com/office/mac/drawingml/2011/main" xmlns:a14="http://schemas.microsoft.com/office/drawing/2010/main" xmlns:m="http://schemas.openxmlformats.org/officeDocument/2006/math" xmlns="" val="1"/>
               </a:ext>
             </a:extLst>
           </p:spPr>
@@ -28519,7 +28297,7 @@
               <a:effectLst/>
               <a:extLst>
                 <a:ext uri="{C572A759-6A51-4108-AA02-DFA0A04FC94B}">
-                  <ma14:wrappingTextBoxFlag xmlns="" xmlns:m="http://schemas.openxmlformats.org/officeDocument/2006/math" xmlns:a14="http://schemas.microsoft.com/office/drawing/2010/main" xmlns:ma14="http://schemas.microsoft.com/office/mac/drawingml/2011/main" val="1"/>
+                  <ma14:wrappingTextBoxFlag xmlns:ma14="http://schemas.microsoft.com/office/mac/drawingml/2011/main" xmlns:a14="http://schemas.microsoft.com/office/drawing/2010/main" xmlns:m="http://schemas.openxmlformats.org/officeDocument/2006/math" xmlns="" val="1"/>
                 </a:ext>
               </a:extLst>
             </p:spPr>
@@ -28572,7 +28350,7 @@
             <a:effectLst/>
             <a:extLst>
               <a:ext uri="{C572A759-6A51-4108-AA02-DFA0A04FC94B}">
-                <ma14:wrappingTextBoxFlag xmlns="" xmlns:m="http://schemas.openxmlformats.org/officeDocument/2006/math" xmlns:a14="http://schemas.microsoft.com/office/drawing/2010/main" xmlns:ma14="http://schemas.microsoft.com/office/mac/drawingml/2011/main" val="1"/>
+                <ma14:wrappingTextBoxFlag xmlns:ma14="http://schemas.microsoft.com/office/mac/drawingml/2011/main" xmlns:a14="http://schemas.microsoft.com/office/drawing/2010/main" xmlns:m="http://schemas.openxmlformats.org/officeDocument/2006/math" xmlns="" val="1"/>
               </a:ext>
             </a:extLst>
           </p:spPr>
@@ -28731,7 +28509,7 @@
               <a:effectLst/>
               <a:extLst>
                 <a:ext uri="{C572A759-6A51-4108-AA02-DFA0A04FC94B}">
-                  <ma14:wrappingTextBoxFlag xmlns="" xmlns:m="http://schemas.openxmlformats.org/officeDocument/2006/math" xmlns:a14="http://schemas.microsoft.com/office/drawing/2010/main" xmlns:ma14="http://schemas.microsoft.com/office/mac/drawingml/2011/main" val="1"/>
+                  <ma14:wrappingTextBoxFlag xmlns:ma14="http://schemas.microsoft.com/office/mac/drawingml/2011/main" xmlns:a14="http://schemas.microsoft.com/office/drawing/2010/main" xmlns:m="http://schemas.openxmlformats.org/officeDocument/2006/math" xmlns="" val="1"/>
                 </a:ext>
               </a:extLst>
             </p:spPr>
@@ -28784,7 +28562,7 @@
             <a:effectLst/>
             <a:extLst>
               <a:ext uri="{C572A759-6A51-4108-AA02-DFA0A04FC94B}">
-                <ma14:wrappingTextBoxFlag xmlns="" xmlns:m="http://schemas.openxmlformats.org/officeDocument/2006/math" xmlns:a14="http://schemas.microsoft.com/office/drawing/2010/main" xmlns:ma14="http://schemas.microsoft.com/office/mac/drawingml/2011/main" val="1"/>
+                <ma14:wrappingTextBoxFlag xmlns:ma14="http://schemas.microsoft.com/office/mac/drawingml/2011/main" xmlns:a14="http://schemas.microsoft.com/office/drawing/2010/main" xmlns:m="http://schemas.openxmlformats.org/officeDocument/2006/math" xmlns="" val="1"/>
               </a:ext>
             </a:extLst>
           </p:spPr>
@@ -29215,7 +28993,7 @@
             <a:effectLst/>
             <a:extLst>
               <a:ext uri="{C572A759-6A51-4108-AA02-DFA0A04FC94B}">
-                <ma14:wrappingTextBoxFlag xmlns="" xmlns:m="http://schemas.openxmlformats.org/officeDocument/2006/math" xmlns:a14="http://schemas.microsoft.com/office/drawing/2010/main" xmlns:ma14="http://schemas.microsoft.com/office/mac/drawingml/2011/main" val="1"/>
+                <ma14:wrappingTextBoxFlag xmlns:ma14="http://schemas.microsoft.com/office/mac/drawingml/2011/main" xmlns:a14="http://schemas.microsoft.com/office/drawing/2010/main" xmlns:m="http://schemas.openxmlformats.org/officeDocument/2006/math" xmlns="" val="1"/>
               </a:ext>
             </a:extLst>
           </p:spPr>
@@ -29259,7 +29037,7 @@
           </a:ln>
           <a:extLst>
             <a:ext uri="{C572A759-6A51-4108-AA02-DFA0A04FC94B}">
-              <ma14:wrappingTextBoxFlag xmlns="" xmlns:m="http://schemas.openxmlformats.org/officeDocument/2006/math" xmlns:a14="http://schemas.microsoft.com/office/drawing/2010/main" xmlns:ma14="http://schemas.microsoft.com/office/mac/drawingml/2011/main" val="1"/>
+              <ma14:wrappingTextBoxFlag xmlns:ma14="http://schemas.microsoft.com/office/mac/drawingml/2011/main" xmlns:a14="http://schemas.microsoft.com/office/drawing/2010/main" xmlns:m="http://schemas.openxmlformats.org/officeDocument/2006/math" xmlns="" val="1"/>
             </a:ext>
           </a:extLst>
         </p:spPr>
@@ -29302,7 +29080,7 @@
           </a:ln>
           <a:extLst>
             <a:ext uri="{C572A759-6A51-4108-AA02-DFA0A04FC94B}">
-              <ma14:wrappingTextBoxFlag xmlns="" xmlns:m="http://schemas.openxmlformats.org/officeDocument/2006/math" xmlns:a14="http://schemas.microsoft.com/office/drawing/2010/main" xmlns:ma14="http://schemas.microsoft.com/office/mac/drawingml/2011/main" val="1"/>
+              <ma14:wrappingTextBoxFlag xmlns:ma14="http://schemas.microsoft.com/office/mac/drawingml/2011/main" xmlns:a14="http://schemas.microsoft.com/office/drawing/2010/main" xmlns:m="http://schemas.openxmlformats.org/officeDocument/2006/math" xmlns="" val="1"/>
             </a:ext>
           </a:extLst>
         </p:spPr>
@@ -29346,7 +29124,7 @@
           </a:prstGeom>
           <a:extLst>
             <a:ext uri="{C572A759-6A51-4108-AA02-DFA0A04FC94B}">
-              <ma14:wrappingTextBoxFlag xmlns="" xmlns:m="http://schemas.openxmlformats.org/officeDocument/2006/math" xmlns:a14="http://schemas.microsoft.com/office/drawing/2010/main" xmlns:ma14="http://schemas.microsoft.com/office/mac/drawingml/2011/main" val="1"/>
+              <ma14:wrappingTextBoxFlag xmlns:ma14="http://schemas.microsoft.com/office/mac/drawingml/2011/main" xmlns:a14="http://schemas.microsoft.com/office/drawing/2010/main" xmlns:m="http://schemas.openxmlformats.org/officeDocument/2006/math" xmlns="" val="1"/>
             </a:ext>
           </a:extLst>
         </p:spPr>
@@ -29380,7 +29158,7 @@
           </a:ln>
           <a:extLst>
             <a:ext uri="{C572A759-6A51-4108-AA02-DFA0A04FC94B}">
-              <ma14:wrappingTextBoxFlag xmlns="" xmlns:m="http://schemas.openxmlformats.org/officeDocument/2006/math" xmlns:a14="http://schemas.microsoft.com/office/drawing/2010/main" xmlns:ma14="http://schemas.microsoft.com/office/mac/drawingml/2011/main" val="1"/>
+              <ma14:wrappingTextBoxFlag xmlns:ma14="http://schemas.microsoft.com/office/mac/drawingml/2011/main" xmlns:a14="http://schemas.microsoft.com/office/drawing/2010/main" xmlns:m="http://schemas.openxmlformats.org/officeDocument/2006/math" xmlns="" val="1"/>
             </a:ext>
           </a:extLst>
         </p:spPr>
@@ -31990,7 +31768,7 @@
               <a:effectLst/>
               <a:extLst>
                 <a:ext uri="{C572A759-6A51-4108-AA02-DFA0A04FC94B}">
-                  <ma14:wrappingTextBoxFlag xmlns="" xmlns:m="http://schemas.openxmlformats.org/officeDocument/2006/math" xmlns:a14="http://schemas.microsoft.com/office/drawing/2010/main" xmlns:ma14="http://schemas.microsoft.com/office/mac/drawingml/2011/main" val="1"/>
+                  <ma14:wrappingTextBoxFlag xmlns:ma14="http://schemas.microsoft.com/office/mac/drawingml/2011/main" xmlns:a14="http://schemas.microsoft.com/office/drawing/2010/main" xmlns:m="http://schemas.openxmlformats.org/officeDocument/2006/math" xmlns="" val="1"/>
                 </a:ext>
               </a:extLst>
             </p:spPr>
@@ -32043,7 +31821,7 @@
             <a:effectLst/>
             <a:extLst>
               <a:ext uri="{C572A759-6A51-4108-AA02-DFA0A04FC94B}">
-                <ma14:wrappingTextBoxFlag xmlns="" xmlns:m="http://schemas.openxmlformats.org/officeDocument/2006/math" xmlns:a14="http://schemas.microsoft.com/office/drawing/2010/main" xmlns:ma14="http://schemas.microsoft.com/office/mac/drawingml/2011/main" val="1"/>
+                <ma14:wrappingTextBoxFlag xmlns:ma14="http://schemas.microsoft.com/office/mac/drawingml/2011/main" xmlns:a14="http://schemas.microsoft.com/office/drawing/2010/main" xmlns:m="http://schemas.openxmlformats.org/officeDocument/2006/math" xmlns="" val="1"/>
               </a:ext>
             </a:extLst>
           </p:spPr>
@@ -32202,7 +31980,7 @@
               <a:effectLst/>
               <a:extLst>
                 <a:ext uri="{C572A759-6A51-4108-AA02-DFA0A04FC94B}">
-                  <ma14:wrappingTextBoxFlag xmlns="" xmlns:m="http://schemas.openxmlformats.org/officeDocument/2006/math" xmlns:a14="http://schemas.microsoft.com/office/drawing/2010/main" xmlns:ma14="http://schemas.microsoft.com/office/mac/drawingml/2011/main" val="1"/>
+                  <ma14:wrappingTextBoxFlag xmlns:ma14="http://schemas.microsoft.com/office/mac/drawingml/2011/main" xmlns:a14="http://schemas.microsoft.com/office/drawing/2010/main" xmlns:m="http://schemas.openxmlformats.org/officeDocument/2006/math" xmlns="" val="1"/>
                 </a:ext>
               </a:extLst>
             </p:spPr>
@@ -32255,7 +32033,7 @@
             <a:effectLst/>
             <a:extLst>
               <a:ext uri="{C572A759-6A51-4108-AA02-DFA0A04FC94B}">
-                <ma14:wrappingTextBoxFlag xmlns="" xmlns:m="http://schemas.openxmlformats.org/officeDocument/2006/math" xmlns:a14="http://schemas.microsoft.com/office/drawing/2010/main" xmlns:ma14="http://schemas.microsoft.com/office/mac/drawingml/2011/main" val="1"/>
+                <ma14:wrappingTextBoxFlag xmlns:ma14="http://schemas.microsoft.com/office/mac/drawingml/2011/main" xmlns:a14="http://schemas.microsoft.com/office/drawing/2010/main" xmlns:m="http://schemas.openxmlformats.org/officeDocument/2006/math" xmlns="" val="1"/>
               </a:ext>
             </a:extLst>
           </p:spPr>
@@ -32451,7 +32229,7 @@
               <a:effectLst/>
               <a:extLst>
                 <a:ext uri="{C572A759-6A51-4108-AA02-DFA0A04FC94B}">
-                  <ma14:wrappingTextBoxFlag xmlns="" xmlns:m="http://schemas.openxmlformats.org/officeDocument/2006/math" xmlns:a14="http://schemas.microsoft.com/office/drawing/2010/main" xmlns:ma14="http://schemas.microsoft.com/office/mac/drawingml/2011/main" val="1"/>
+                  <ma14:wrappingTextBoxFlag xmlns:ma14="http://schemas.microsoft.com/office/mac/drawingml/2011/main" xmlns:a14="http://schemas.microsoft.com/office/drawing/2010/main" xmlns:m="http://schemas.openxmlformats.org/officeDocument/2006/math" xmlns="" val="1"/>
                 </a:ext>
               </a:extLst>
             </p:spPr>
@@ -32538,7 +32316,7 @@
           <a:effectLst/>
           <a:extLst>
             <a:ext uri="{C572A759-6A51-4108-AA02-DFA0A04FC94B}">
-              <ma14:wrappingTextBoxFlag xmlns="" xmlns:ma14="http://schemas.microsoft.com/office/mac/drawingml/2011/main" xmlns:a14="http://schemas.microsoft.com/office/drawing/2010/main" xmlns:m="http://schemas.openxmlformats.org/officeDocument/2006/math" val="1"/>
+              <ma14:wrappingTextBoxFlag xmlns:m="http://schemas.openxmlformats.org/officeDocument/2006/math" xmlns:a14="http://schemas.microsoft.com/office/drawing/2010/main" xmlns:ma14="http://schemas.microsoft.com/office/mac/drawingml/2011/main" xmlns="" val="1"/>
             </a:ext>
           </a:extLst>
         </p:spPr>
